--- a/Credit_Score_Status_Prediction_Presentation.pptx
+++ b/Credit_Score_Status_Prediction_Presentation.pptx
@@ -137,7 +137,7 @@
   <pc:docChgLst>
     <pc:chgData name="Anson Anthrayose Thomas" userId="1613853327086534" providerId="LiveId" clId="{361DA9B9-B4B2-4F2E-9441-68811BE5D557}"/>
     <pc:docChg chg="undo custSel addSld delSld modSld sldOrd">
-      <pc:chgData name="Anson Anthrayose Thomas" userId="1613853327086534" providerId="LiveId" clId="{361DA9B9-B4B2-4F2E-9441-68811BE5D557}" dt="2025-06-08T10:56:27.825" v="61" actId="20577"/>
+      <pc:chgData name="Anson Anthrayose Thomas" userId="1613853327086534" providerId="LiveId" clId="{361DA9B9-B4B2-4F2E-9441-68811BE5D557}" dt="2025-06-09T03:49:06.723" v="146" actId="20577"/>
       <pc:docMkLst>
         <pc:docMk/>
       </pc:docMkLst>
@@ -211,7 +211,7 @@
         </pc:spChg>
       </pc:sldChg>
       <pc:sldChg chg="modSp mod">
-        <pc:chgData name="Anson Anthrayose Thomas" userId="1613853327086534" providerId="LiveId" clId="{361DA9B9-B4B2-4F2E-9441-68811BE5D557}" dt="2025-06-08T10:54:47.514" v="26" actId="27636"/>
+        <pc:chgData name="Anson Anthrayose Thomas" userId="1613853327086534" providerId="LiveId" clId="{361DA9B9-B4B2-4F2E-9441-68811BE5D557}" dt="2025-06-09T03:49:06.723" v="146" actId="20577"/>
         <pc:sldMkLst>
           <pc:docMk/>
           <pc:sldMk cId="0" sldId="259"/>
@@ -225,7 +225,7 @@
           </ac:spMkLst>
         </pc:spChg>
         <pc:spChg chg="mod">
-          <ac:chgData name="Anson Anthrayose Thomas" userId="1613853327086534" providerId="LiveId" clId="{361DA9B9-B4B2-4F2E-9441-68811BE5D557}" dt="2025-06-08T10:54:47.514" v="26" actId="27636"/>
+          <ac:chgData name="Anson Anthrayose Thomas" userId="1613853327086534" providerId="LiveId" clId="{361DA9B9-B4B2-4F2E-9441-68811BE5D557}" dt="2025-06-09T03:49:06.723" v="146" actId="20577"/>
           <ac:spMkLst>
             <pc:docMk/>
             <pc:sldMk cId="0" sldId="259"/>
@@ -735,7 +735,7 @@
           <a:p>
             <a:fld id="{5BCAD085-E8A6-8845-BD4E-CB4CCA059FC4}" type="datetimeFigureOut">
               <a:rPr lang="en-US" smtClean="0"/>
-              <a:t>6/8/2025</a:t>
+              <a:t>6/9/2025</a:t>
             </a:fld>
             <a:endParaRPr lang="en-US"/>
           </a:p>
@@ -1823,7 +1823,7 @@
           <a:p>
             <a:fld id="{5BCAD085-E8A6-8845-BD4E-CB4CCA059FC4}" type="datetimeFigureOut">
               <a:rPr lang="en-US" smtClean="0"/>
-              <a:t>6/8/2025</a:t>
+              <a:t>6/9/2025</a:t>
             </a:fld>
             <a:endParaRPr lang="en-US"/>
           </a:p>
@@ -2803,7 +2803,7 @@
           <a:p>
             <a:fld id="{5BCAD085-E8A6-8845-BD4E-CB4CCA059FC4}" type="datetimeFigureOut">
               <a:rPr lang="en-US" smtClean="0"/>
-              <a:t>6/8/2025</a:t>
+              <a:t>6/9/2025</a:t>
             </a:fld>
             <a:endParaRPr lang="en-US"/>
           </a:p>
@@ -3937,7 +3937,7 @@
           <a:p>
             <a:fld id="{5BCAD085-E8A6-8845-BD4E-CB4CCA059FC4}" type="datetimeFigureOut">
               <a:rPr lang="en-US" smtClean="0"/>
-              <a:t>6/8/2025</a:t>
+              <a:t>6/9/2025</a:t>
             </a:fld>
             <a:endParaRPr lang="en-US"/>
           </a:p>
@@ -4970,7 +4970,7 @@
           <a:p>
             <a:fld id="{5BCAD085-E8A6-8845-BD4E-CB4CCA059FC4}" type="datetimeFigureOut">
               <a:rPr lang="en-US" smtClean="0"/>
-              <a:t>6/8/2025</a:t>
+              <a:t>6/9/2025</a:t>
             </a:fld>
             <a:endParaRPr lang="en-US"/>
           </a:p>
@@ -5630,7 +5630,7 @@
           <a:p>
             <a:fld id="{5BCAD085-E8A6-8845-BD4E-CB4CCA059FC4}" type="datetimeFigureOut">
               <a:rPr lang="en-US" smtClean="0"/>
-              <a:t>6/8/2025</a:t>
+              <a:t>6/9/2025</a:t>
             </a:fld>
             <a:endParaRPr lang="en-US"/>
           </a:p>
@@ -6491,7 +6491,7 @@
           <a:p>
             <a:fld id="{5BCAD085-E8A6-8845-BD4E-CB4CCA059FC4}" type="datetimeFigureOut">
               <a:rPr lang="en-US" smtClean="0"/>
-              <a:t>6/8/2025</a:t>
+              <a:t>6/9/2025</a:t>
             </a:fld>
             <a:endParaRPr lang="en-US"/>
           </a:p>
@@ -6681,7 +6681,7 @@
           <a:p>
             <a:fld id="{5BCAD085-E8A6-8845-BD4E-CB4CCA059FC4}" type="datetimeFigureOut">
               <a:rPr lang="en-US" smtClean="0"/>
-              <a:t>6/8/2025</a:t>
+              <a:t>6/9/2025</a:t>
             </a:fld>
             <a:endParaRPr lang="en-US"/>
           </a:p>
@@ -7653,7 +7653,7 @@
           <a:p>
             <a:fld id="{5BCAD085-E8A6-8845-BD4E-CB4CCA059FC4}" type="datetimeFigureOut">
               <a:rPr lang="en-US" smtClean="0"/>
-              <a:t>6/8/2025</a:t>
+              <a:t>6/9/2025</a:t>
             </a:fld>
             <a:endParaRPr lang="en-US"/>
           </a:p>
@@ -7864,7 +7864,7 @@
           <a:p>
             <a:fld id="{5BCAD085-E8A6-8845-BD4E-CB4CCA059FC4}" type="datetimeFigureOut">
               <a:rPr lang="en-US" smtClean="0"/>
-              <a:t>6/8/2025</a:t>
+              <a:t>6/9/2025</a:t>
             </a:fld>
             <a:endParaRPr lang="en-US"/>
           </a:p>
@@ -8898,7 +8898,7 @@
           <a:p>
             <a:fld id="{5BCAD085-E8A6-8845-BD4E-CB4CCA059FC4}" type="datetimeFigureOut">
               <a:rPr lang="en-US" smtClean="0"/>
-              <a:t>6/8/2025</a:t>
+              <a:t>6/9/2025</a:t>
             </a:fld>
             <a:endParaRPr lang="en-US"/>
           </a:p>
@@ -9170,7 +9170,7 @@
           <a:p>
             <a:fld id="{5BCAD085-E8A6-8845-BD4E-CB4CCA059FC4}" type="datetimeFigureOut">
               <a:rPr lang="en-US" smtClean="0"/>
-              <a:t>6/8/2025</a:t>
+              <a:t>6/9/2025</a:t>
             </a:fld>
             <a:endParaRPr lang="en-US"/>
           </a:p>
@@ -9580,7 +9580,7 @@
           <a:p>
             <a:fld id="{5BCAD085-E8A6-8845-BD4E-CB4CCA059FC4}" type="datetimeFigureOut">
               <a:rPr lang="en-US" smtClean="0"/>
-              <a:t>6/8/2025</a:t>
+              <a:t>6/9/2025</a:t>
             </a:fld>
             <a:endParaRPr lang="en-US"/>
           </a:p>
@@ -9707,7 +9707,7 @@
           <a:p>
             <a:fld id="{5BCAD085-E8A6-8845-BD4E-CB4CCA059FC4}" type="datetimeFigureOut">
               <a:rPr lang="en-US" smtClean="0"/>
-              <a:t>6/8/2025</a:t>
+              <a:t>6/9/2025</a:t>
             </a:fld>
             <a:endParaRPr lang="en-US"/>
           </a:p>
@@ -9802,7 +9802,7 @@
           <a:p>
             <a:fld id="{5BCAD085-E8A6-8845-BD4E-CB4CCA059FC4}" type="datetimeFigureOut">
               <a:rPr lang="en-US" smtClean="0"/>
-              <a:t>6/8/2025</a:t>
+              <a:t>6/9/2025</a:t>
             </a:fld>
             <a:endParaRPr lang="en-US"/>
           </a:p>
@@ -10883,7 +10883,7 @@
           <a:p>
             <a:fld id="{5BCAD085-E8A6-8845-BD4E-CB4CCA059FC4}" type="datetimeFigureOut">
               <a:rPr lang="en-US" smtClean="0"/>
-              <a:t>6/8/2025</a:t>
+              <a:t>6/9/2025</a:t>
             </a:fld>
             <a:endParaRPr lang="en-US"/>
           </a:p>
@@ -11991,7 +11991,7 @@
           <a:p>
             <a:fld id="{5BCAD085-E8A6-8845-BD4E-CB4CCA059FC4}" type="datetimeFigureOut">
               <a:rPr lang="en-US" smtClean="0"/>
-              <a:t>6/8/2025</a:t>
+              <a:t>6/9/2025</a:t>
             </a:fld>
             <a:endParaRPr lang="en-US"/>
           </a:p>
@@ -12988,7 +12988,7 @@
           <a:p>
             <a:fld id="{5BCAD085-E8A6-8845-BD4E-CB4CCA059FC4}" type="datetimeFigureOut">
               <a:rPr lang="en-US" smtClean="0"/>
-              <a:t>6/8/2025</a:t>
+              <a:t>6/9/2025</a:t>
             </a:fld>
             <a:endParaRPr lang="en-US"/>
           </a:p>
@@ -14126,7 +14126,7 @@
         <p:spPr/>
         <p:txBody>
           <a:bodyPr>
-            <a:normAutofit fontScale="92500" lnSpcReduction="20000"/>
+            <a:normAutofit fontScale="85000" lnSpcReduction="20000"/>
           </a:bodyPr>
           <a:lstStyle/>
           <a:p>
@@ -14139,7 +14139,15 @@
             </a:pPr>
             <a:r>
               <a:rPr dirty="0"/>
-              <a:t>The following classifiers were evaluated for credit score prediction:</a:t>
+              <a:t>The following classifiers were evaluated for credit score prediction</a:t>
+            </a:r>
+            <a:r>
+              <a:rPr lang="en-IN" dirty="0"/>
+              <a:t> after feature selection using Recursive Feature Elimination</a:t>
+            </a:r>
+            <a:r>
+              <a:rPr dirty="0"/>
+              <a:t>:</a:t>
             </a:r>
           </a:p>
           <a:p>
